--- a/semestr.pptx
+++ b/semestr.pptx
@@ -14,6 +14,7 @@
     <p:sldId id="262" r:id="rId8"/>
     <p:sldId id="261" r:id="rId9"/>
     <p:sldId id="260" r:id="rId10"/>
+    <p:sldId id="265" r:id="rId11"/>
   </p:sldIdLst>
   <p:sldSz cx="12192000" cy="6858000"/>
   <p:notesSz cx="6858000" cy="9144000"/>
@@ -112,6 +113,11 @@
       </a:defRPr>
     </a:lvl9pPr>
   </p:defaultTextStyle>
+  <p:extLst>
+    <p:ext uri="{EFAFB233-063F-42B5-8137-9DF3F51BA10A}">
+      <p15:sldGuideLst xmlns:p15="http://schemas.microsoft.com/office/powerpoint/2012/main"/>
+    </p:ext>
+  </p:extLst>
 </p:presentation>
 </file>
 
@@ -2653,8 +2659,8 @@
       </dsp:nvSpPr>
       <dsp:spPr>
         <a:xfrm>
-          <a:off x="9137" y="2174571"/>
-          <a:ext cx="2731078" cy="1638647"/>
+          <a:off x="10127" y="444802"/>
+          <a:ext cx="3027118" cy="1816271"/>
         </a:xfrm>
         <a:prstGeom prst="roundRect">
           <a:avLst>
@@ -2698,12 +2704,12 @@
         </a:fontRef>
       </dsp:style>
       <dsp:txBody>
-        <a:bodyPr spcFirstLastPara="0" vert="horz" wrap="square" lIns="68580" tIns="68580" rIns="68580" bIns="68580" numCol="1" spcCol="1270" anchor="ctr" anchorCtr="0">
+        <a:bodyPr spcFirstLastPara="0" vert="horz" wrap="square" lIns="76200" tIns="76200" rIns="76200" bIns="76200" numCol="1" spcCol="1270" anchor="ctr" anchorCtr="0">
           <a:noAutofit/>
         </a:bodyPr>
         <a:lstStyle/>
         <a:p>
-          <a:pPr marL="0" lvl="0" indent="0" algn="ctr" defTabSz="800100">
+          <a:pPr marL="0" lvl="0" indent="0" algn="ctr" defTabSz="889000">
             <a:lnSpc>
               <a:spcPct val="90000"/>
             </a:lnSpc>
@@ -2716,21 +2722,21 @@
             <a:buNone/>
           </a:pPr>
           <a:r>
-            <a:rPr lang="ru-RU" sz="1800" b="1" kern="1200" dirty="0"/>
+            <a:rPr lang="ru-RU" sz="2000" b="1" kern="1200" dirty="0"/>
             <a:t>Приветствие</a:t>
           </a:r>
           <a:br>
-            <a:rPr lang="ru-RU" sz="1800" kern="1200" dirty="0"/>
+            <a:rPr lang="ru-RU" sz="2000" kern="1200" dirty="0"/>
           </a:br>
           <a:r>
-            <a:rPr lang="ru-RU" sz="1800" kern="1200" dirty="0"/>
+            <a:rPr lang="ru-RU" sz="2000" kern="1200" dirty="0"/>
             <a:t>(ввод имени пользователя, интересующего населённого пункта)</a:t>
           </a:r>
         </a:p>
       </dsp:txBody>
       <dsp:txXfrm>
-        <a:off x="57131" y="2222565"/>
-        <a:ext cx="2635090" cy="1542659"/>
+        <a:off x="63324" y="497999"/>
+        <a:ext cx="2920724" cy="1709877"/>
       </dsp:txXfrm>
     </dsp:sp>
     <dsp:sp modelId="{076FACC9-0D93-46EA-A0D9-0E960BB68726}">
@@ -2740,8 +2746,8 @@
       </dsp:nvSpPr>
       <dsp:spPr>
         <a:xfrm>
-          <a:off x="3013324" y="2655241"/>
-          <a:ext cx="578988" cy="677307"/>
+          <a:off x="3339958" y="977575"/>
+          <a:ext cx="641749" cy="750725"/>
         </a:xfrm>
         <a:prstGeom prst="rightArrow">
           <a:avLst>
@@ -2783,7 +2789,7 @@
         </a:bodyPr>
         <a:lstStyle/>
         <a:p>
-          <a:pPr marL="0" lvl="0" indent="0" algn="ctr" defTabSz="622300">
+          <a:pPr marL="0" lvl="0" indent="0" algn="ctr" defTabSz="711200">
             <a:lnSpc>
               <a:spcPct val="90000"/>
             </a:lnSpc>
@@ -2795,12 +2801,12 @@
             </a:spcAft>
             <a:buNone/>
           </a:pPr>
-          <a:endParaRPr lang="ru-RU" sz="1400" kern="1200"/>
+          <a:endParaRPr lang="ru-RU" sz="1600" kern="1200"/>
         </a:p>
       </dsp:txBody>
       <dsp:txXfrm>
-        <a:off x="3013324" y="2790702"/>
-        <a:ext cx="405292" cy="406385"/>
+        <a:off x="3339958" y="1127720"/>
+        <a:ext cx="449224" cy="450435"/>
       </dsp:txXfrm>
     </dsp:sp>
     <dsp:sp modelId="{99037549-3127-47FB-A534-14DB04D2AAB3}">
@@ -2810,8 +2816,8 @@
       </dsp:nvSpPr>
       <dsp:spPr>
         <a:xfrm>
-          <a:off x="3832648" y="2174571"/>
-          <a:ext cx="2731078" cy="1638647"/>
+          <a:off x="4248094" y="444802"/>
+          <a:ext cx="3027118" cy="1816271"/>
         </a:xfrm>
         <a:prstGeom prst="roundRect">
           <a:avLst>
@@ -2855,12 +2861,12 @@
         </a:fontRef>
       </dsp:style>
       <dsp:txBody>
-        <a:bodyPr spcFirstLastPara="0" vert="horz" wrap="square" lIns="68580" tIns="68580" rIns="68580" bIns="68580" numCol="1" spcCol="1270" anchor="ctr" anchorCtr="0">
+        <a:bodyPr spcFirstLastPara="0" vert="horz" wrap="square" lIns="76200" tIns="76200" rIns="76200" bIns="76200" numCol="1" spcCol="1270" anchor="ctr" anchorCtr="0">
           <a:noAutofit/>
         </a:bodyPr>
         <a:lstStyle/>
         <a:p>
-          <a:pPr marL="0" lvl="0" indent="0" algn="ctr" defTabSz="800100">
+          <a:pPr marL="0" lvl="0" indent="0" algn="ctr" defTabSz="889000">
             <a:lnSpc>
               <a:spcPct val="90000"/>
             </a:lnSpc>
@@ -2873,12 +2879,12 @@
             <a:buNone/>
           </a:pPr>
           <a:r>
-            <a:rPr lang="ru-RU" sz="1800" b="1" kern="1200" dirty="0"/>
+            <a:rPr lang="ru-RU" sz="2000" b="1" kern="1200" dirty="0"/>
             <a:t>Основная страница</a:t>
           </a:r>
         </a:p>
         <a:p>
-          <a:pPr marL="0" lvl="0" indent="0" algn="ctr" defTabSz="800100">
+          <a:pPr marL="0" lvl="0" indent="0" algn="ctr" defTabSz="889000">
             <a:lnSpc>
               <a:spcPct val="90000"/>
             </a:lnSpc>
@@ -2891,14 +2897,14 @@
             <a:buNone/>
           </a:pPr>
           <a:r>
-            <a:rPr lang="ru-RU" sz="1800" b="0" kern="1200" dirty="0"/>
+            <a:rPr lang="ru-RU" sz="2000" b="0" kern="1200" dirty="0"/>
             <a:t>(различный функционал, на данный момент реализовано 3 возможности)</a:t>
           </a:r>
         </a:p>
       </dsp:txBody>
       <dsp:txXfrm>
-        <a:off x="3880642" y="2222565"/>
-        <a:ext cx="2635090" cy="1542659"/>
+        <a:off x="4301291" y="497999"/>
+        <a:ext cx="2920724" cy="1709877"/>
       </dsp:txXfrm>
     </dsp:sp>
     <dsp:sp modelId="{4588FFA2-3E39-4140-B44B-91CA79895E83}">
@@ -2908,8 +2914,8 @@
       </dsp:nvSpPr>
       <dsp:spPr>
         <a:xfrm>
-          <a:off x="6892689" y="2246608"/>
-          <a:ext cx="578988" cy="677307"/>
+          <a:off x="7639834" y="524648"/>
+          <a:ext cx="641749" cy="750725"/>
         </a:xfrm>
         <a:prstGeom prst="rightArrow">
           <a:avLst>
@@ -2951,7 +2957,7 @@
         </a:bodyPr>
         <a:lstStyle/>
         <a:p>
-          <a:pPr marL="0" lvl="0" indent="0" algn="ctr" defTabSz="622300">
+          <a:pPr marL="0" lvl="0" indent="0" algn="ctr" defTabSz="711200">
             <a:lnSpc>
               <a:spcPct val="90000"/>
             </a:lnSpc>
@@ -2963,12 +2969,12 @@
             </a:spcAft>
             <a:buNone/>
           </a:pPr>
-          <a:endParaRPr lang="ru-RU" sz="1400" kern="1200"/>
+          <a:endParaRPr lang="ru-RU" sz="1600" kern="1200"/>
         </a:p>
       </dsp:txBody>
       <dsp:txXfrm>
-        <a:off x="6892689" y="2382069"/>
-        <a:ext cx="405292" cy="406385"/>
+        <a:off x="7639834" y="674793"/>
+        <a:ext cx="449224" cy="450435"/>
       </dsp:txXfrm>
     </dsp:sp>
     <dsp:sp modelId="{C9C86BD2-F5C3-4C99-BBB5-B83F73D0490D}">
@@ -2978,8 +2984,8 @@
       </dsp:nvSpPr>
       <dsp:spPr>
         <a:xfrm>
-          <a:off x="7656158" y="2174571"/>
-          <a:ext cx="2731078" cy="1638647"/>
+          <a:off x="8486060" y="444802"/>
+          <a:ext cx="3027118" cy="1816271"/>
         </a:xfrm>
         <a:prstGeom prst="roundRect">
           <a:avLst>
@@ -3023,12 +3029,12 @@
         </a:fontRef>
       </dsp:style>
       <dsp:txBody>
-        <a:bodyPr spcFirstLastPara="0" vert="horz" wrap="square" lIns="68580" tIns="68580" rIns="68580" bIns="68580" numCol="1" spcCol="1270" anchor="ctr" anchorCtr="0">
+        <a:bodyPr spcFirstLastPara="0" vert="horz" wrap="square" lIns="76200" tIns="76200" rIns="76200" bIns="76200" numCol="1" spcCol="1270" anchor="ctr" anchorCtr="0">
           <a:noAutofit/>
         </a:bodyPr>
         <a:lstStyle/>
         <a:p>
-          <a:pPr marL="0" lvl="0" indent="0" algn="ctr" defTabSz="800100">
+          <a:pPr marL="0" lvl="0" indent="0" algn="ctr" defTabSz="889000">
             <a:lnSpc>
               <a:spcPct val="90000"/>
             </a:lnSpc>
@@ -3041,12 +3047,12 @@
             <a:buNone/>
           </a:pPr>
           <a:r>
-            <a:rPr lang="ru-RU" sz="1800" b="1" kern="1200" dirty="0"/>
+            <a:rPr lang="ru-RU" sz="2000" b="1" kern="1200" dirty="0"/>
             <a:t>Страница информации</a:t>
           </a:r>
         </a:p>
         <a:p>
-          <a:pPr marL="0" lvl="0" indent="0" algn="ctr" defTabSz="800100">
+          <a:pPr marL="0" lvl="0" indent="0" algn="ctr" defTabSz="889000">
             <a:lnSpc>
               <a:spcPct val="90000"/>
             </a:lnSpc>
@@ -3059,14 +3065,14 @@
             <a:buNone/>
           </a:pPr>
           <a:r>
-            <a:rPr lang="ru-RU" sz="1800" b="0" kern="1200" dirty="0"/>
+            <a:rPr lang="ru-RU" sz="2000" b="0" kern="1200" dirty="0"/>
             <a:t>(зависит от выбранного варианта)</a:t>
           </a:r>
         </a:p>
       </dsp:txBody>
       <dsp:txXfrm>
-        <a:off x="7704152" y="2222565"/>
-        <a:ext cx="2635090" cy="1542659"/>
+        <a:off x="8539257" y="497999"/>
+        <a:ext cx="2920724" cy="1709877"/>
       </dsp:txXfrm>
     </dsp:sp>
   </dsp:spTree>
@@ -5650,6 +5656,18 @@
   <p:clrMapOvr>
     <a:masterClrMapping/>
   </p:clrMapOvr>
+  <mc:AlternateContent xmlns:mc="http://schemas.openxmlformats.org/markup-compatibility/2006">
+    <mc:Choice xmlns:p14="http://schemas.microsoft.com/office/powerpoint/2010/main" Requires="p14">
+      <p:transition spd="med" p14:dur="700">
+        <p:fade/>
+      </p:transition>
+    </mc:Choice>
+    <mc:Fallback>
+      <p:transition spd="med">
+        <p:fade/>
+      </p:transition>
+    </mc:Fallback>
+  </mc:AlternateContent>
 </p:sldLayout>
 </file>
 
@@ -5848,6 +5866,18 @@
   <p:clrMapOvr>
     <a:masterClrMapping/>
   </p:clrMapOvr>
+  <mc:AlternateContent xmlns:mc="http://schemas.openxmlformats.org/markup-compatibility/2006">
+    <mc:Choice xmlns:p14="http://schemas.microsoft.com/office/powerpoint/2010/main" Requires="p14">
+      <p:transition spd="med" p14:dur="700">
+        <p:fade/>
+      </p:transition>
+    </mc:Choice>
+    <mc:Fallback>
+      <p:transition spd="med">
+        <p:fade/>
+      </p:transition>
+    </mc:Fallback>
+  </mc:AlternateContent>
 </p:sldLayout>
 </file>
 
@@ -6056,6 +6086,18 @@
   <p:clrMapOvr>
     <a:masterClrMapping/>
   </p:clrMapOvr>
+  <mc:AlternateContent xmlns:mc="http://schemas.openxmlformats.org/markup-compatibility/2006">
+    <mc:Choice xmlns:p14="http://schemas.microsoft.com/office/powerpoint/2010/main" Requires="p14">
+      <p:transition spd="med" p14:dur="700">
+        <p:fade/>
+      </p:transition>
+    </mc:Choice>
+    <mc:Fallback>
+      <p:transition spd="med">
+        <p:fade/>
+      </p:transition>
+    </mc:Fallback>
+  </mc:AlternateContent>
 </p:sldLayout>
 </file>
 
@@ -6254,6 +6296,18 @@
   <p:clrMapOvr>
     <a:masterClrMapping/>
   </p:clrMapOvr>
+  <mc:AlternateContent xmlns:mc="http://schemas.openxmlformats.org/markup-compatibility/2006">
+    <mc:Choice xmlns:p14="http://schemas.microsoft.com/office/powerpoint/2010/main" Requires="p14">
+      <p:transition spd="med" p14:dur="700">
+        <p:fade/>
+      </p:transition>
+    </mc:Choice>
+    <mc:Fallback>
+      <p:transition spd="med">
+        <p:fade/>
+      </p:transition>
+    </mc:Fallback>
+  </mc:AlternateContent>
 </p:sldLayout>
 </file>
 
@@ -6529,6 +6583,18 @@
   <p:clrMapOvr>
     <a:masterClrMapping/>
   </p:clrMapOvr>
+  <mc:AlternateContent xmlns:mc="http://schemas.openxmlformats.org/markup-compatibility/2006">
+    <mc:Choice xmlns:p14="http://schemas.microsoft.com/office/powerpoint/2010/main" Requires="p14">
+      <p:transition spd="med" p14:dur="700">
+        <p:fade/>
+      </p:transition>
+    </mc:Choice>
+    <mc:Fallback>
+      <p:transition spd="med">
+        <p:fade/>
+      </p:transition>
+    </mc:Fallback>
+  </mc:AlternateContent>
 </p:sldLayout>
 </file>
 
@@ -6794,6 +6860,18 @@
   <p:clrMapOvr>
     <a:masterClrMapping/>
   </p:clrMapOvr>
+  <mc:AlternateContent xmlns:mc="http://schemas.openxmlformats.org/markup-compatibility/2006">
+    <mc:Choice xmlns:p14="http://schemas.microsoft.com/office/powerpoint/2010/main" Requires="p14">
+      <p:transition spd="med" p14:dur="700">
+        <p:fade/>
+      </p:transition>
+    </mc:Choice>
+    <mc:Fallback>
+      <p:transition spd="med">
+        <p:fade/>
+      </p:transition>
+    </mc:Fallback>
+  </mc:AlternateContent>
 </p:sldLayout>
 </file>
 
@@ -7206,6 +7284,18 @@
   <p:clrMapOvr>
     <a:masterClrMapping/>
   </p:clrMapOvr>
+  <mc:AlternateContent xmlns:mc="http://schemas.openxmlformats.org/markup-compatibility/2006">
+    <mc:Choice xmlns:p14="http://schemas.microsoft.com/office/powerpoint/2010/main" Requires="p14">
+      <p:transition spd="med" p14:dur="700">
+        <p:fade/>
+      </p:transition>
+    </mc:Choice>
+    <mc:Fallback>
+      <p:transition spd="med">
+        <p:fade/>
+      </p:transition>
+    </mc:Fallback>
+  </mc:AlternateContent>
 </p:sldLayout>
 </file>
 
@@ -7347,6 +7437,18 @@
   <p:clrMapOvr>
     <a:masterClrMapping/>
   </p:clrMapOvr>
+  <mc:AlternateContent xmlns:mc="http://schemas.openxmlformats.org/markup-compatibility/2006">
+    <mc:Choice xmlns:p14="http://schemas.microsoft.com/office/powerpoint/2010/main" Requires="p14">
+      <p:transition spd="med" p14:dur="700">
+        <p:fade/>
+      </p:transition>
+    </mc:Choice>
+    <mc:Fallback>
+      <p:transition spd="med">
+        <p:fade/>
+      </p:transition>
+    </mc:Fallback>
+  </mc:AlternateContent>
 </p:sldLayout>
 </file>
 
@@ -7460,6 +7562,18 @@
   <p:clrMapOvr>
     <a:masterClrMapping/>
   </p:clrMapOvr>
+  <mc:AlternateContent xmlns:mc="http://schemas.openxmlformats.org/markup-compatibility/2006">
+    <mc:Choice xmlns:p14="http://schemas.microsoft.com/office/powerpoint/2010/main" Requires="p14">
+      <p:transition spd="med" p14:dur="700">
+        <p:fade/>
+      </p:transition>
+    </mc:Choice>
+    <mc:Fallback>
+      <p:transition spd="med">
+        <p:fade/>
+      </p:transition>
+    </mc:Fallback>
+  </mc:AlternateContent>
 </p:sldLayout>
 </file>
 
@@ -7771,6 +7885,18 @@
   <p:clrMapOvr>
     <a:masterClrMapping/>
   </p:clrMapOvr>
+  <mc:AlternateContent xmlns:mc="http://schemas.openxmlformats.org/markup-compatibility/2006">
+    <mc:Choice xmlns:p14="http://schemas.microsoft.com/office/powerpoint/2010/main" Requires="p14">
+      <p:transition spd="med" p14:dur="700">
+        <p:fade/>
+      </p:transition>
+    </mc:Choice>
+    <mc:Fallback>
+      <p:transition spd="med">
+        <p:fade/>
+      </p:transition>
+    </mc:Fallback>
+  </mc:AlternateContent>
 </p:sldLayout>
 </file>
 
@@ -8059,6 +8185,18 @@
   <p:clrMapOvr>
     <a:masterClrMapping/>
   </p:clrMapOvr>
+  <mc:AlternateContent xmlns:mc="http://schemas.openxmlformats.org/markup-compatibility/2006">
+    <mc:Choice xmlns:p14="http://schemas.microsoft.com/office/powerpoint/2010/main" Requires="p14">
+      <p:transition spd="med" p14:dur="700">
+        <p:fade/>
+      </p:transition>
+    </mc:Choice>
+    <mc:Fallback>
+      <p:transition spd="med">
+        <p:fade/>
+      </p:transition>
+    </mc:Fallback>
+  </mc:AlternateContent>
 </p:sldLayout>
 </file>
 
@@ -8347,6 +8485,18 @@
     <p:sldLayoutId id="2147483658" r:id="rId10"/>
     <p:sldLayoutId id="2147483659" r:id="rId11"/>
   </p:sldLayoutIdLst>
+  <mc:AlternateContent xmlns:mc="http://schemas.openxmlformats.org/markup-compatibility/2006">
+    <mc:Choice xmlns:p14="http://schemas.microsoft.com/office/powerpoint/2010/main" Requires="p14">
+      <p:transition spd="med" p14:dur="700">
+        <p:fade/>
+      </p:transition>
+    </mc:Choice>
+    <mc:Fallback>
+      <p:transition spd="med">
+        <p:fade/>
+      </p:transition>
+    </mc:Fallback>
+  </mc:AlternateContent>
   <p:txStyles>
     <p:titleStyle>
       <a:lvl1pPr algn="l" defTabSz="914400" rtl="0" eaLnBrk="1" latinLnBrk="0" hangingPunct="1">
@@ -8910,6 +9060,271 @@
   <p:clrMapOvr>
     <a:masterClrMapping/>
   </p:clrMapOvr>
+  <mc:AlternateContent xmlns:mc="http://schemas.openxmlformats.org/markup-compatibility/2006">
+    <mc:Choice xmlns:p14="http://schemas.microsoft.com/office/powerpoint/2010/main" Requires="p14">
+      <p:transition spd="med" p14:dur="700">
+        <p:fade/>
+      </p:transition>
+    </mc:Choice>
+    <mc:Fallback>
+      <p:transition spd="med">
+        <p:fade/>
+      </p:transition>
+    </mc:Fallback>
+  </mc:AlternateContent>
+</p:sld>
+</file>
+
+<file path=ppt/slides/slide10.xml><?xml version="1.0" encoding="utf-8"?>
+<p:sld xmlns:a="http://schemas.openxmlformats.org/drawingml/2006/main" xmlns:r="http://schemas.openxmlformats.org/officeDocument/2006/relationships" xmlns:p="http://schemas.openxmlformats.org/presentationml/2006/main">
+  <p:cSld>
+    <p:spTree>
+      <p:nvGrpSpPr>
+        <p:cNvPr id="1" name=""/>
+        <p:cNvGrpSpPr/>
+        <p:nvPr/>
+      </p:nvGrpSpPr>
+      <p:grpSpPr>
+        <a:xfrm>
+          <a:off x="0" y="0"/>
+          <a:ext cx="0" cy="0"/>
+          <a:chOff x="0" y="0"/>
+          <a:chExt cx="0" cy="0"/>
+        </a:xfrm>
+      </p:grpSpPr>
+      <p:sp>
+        <p:nvSpPr>
+          <p:cNvPr id="2" name="Заголовок 1">
+            <a:extLst>
+              <a:ext uri="{FF2B5EF4-FFF2-40B4-BE49-F238E27FC236}">
+                <a16:creationId xmlns:a16="http://schemas.microsoft.com/office/drawing/2014/main" id="{D4E891AB-ECE5-9CA8-E2F7-E0D3B25DE744}"/>
+              </a:ext>
+            </a:extLst>
+          </p:cNvPr>
+          <p:cNvSpPr>
+            <a:spLocks noGrp="1"/>
+          </p:cNvSpPr>
+          <p:nvPr>
+            <p:ph type="title"/>
+          </p:nvPr>
+        </p:nvSpPr>
+        <p:spPr>
+          <a:xfrm>
+            <a:off x="838200" y="2103435"/>
+            <a:ext cx="10515600" cy="1325563"/>
+          </a:xfrm>
+        </p:spPr>
+        <p:txBody>
+          <a:bodyPr/>
+          <a:lstStyle/>
+          <a:p>
+            <a:pPr algn="ctr"/>
+            <a:r>
+              <a:rPr lang="ru-RU" dirty="0"/>
+              <a:t>Извините за внимание</a:t>
+            </a:r>
+          </a:p>
+        </p:txBody>
+      </p:sp>
+      <p:sp>
+        <p:nvSpPr>
+          <p:cNvPr id="4" name="Заголовок 1">
+            <a:extLst>
+              <a:ext uri="{FF2B5EF4-FFF2-40B4-BE49-F238E27FC236}">
+                <a16:creationId xmlns:a16="http://schemas.microsoft.com/office/drawing/2014/main" id="{92D9B806-80F2-5C62-6694-2C3E365BB194}"/>
+              </a:ext>
+            </a:extLst>
+          </p:cNvPr>
+          <p:cNvSpPr txBox="1">
+            <a:spLocks/>
+          </p:cNvSpPr>
+          <p:nvPr/>
+        </p:nvSpPr>
+        <p:spPr>
+          <a:xfrm>
+            <a:off x="838200" y="2103436"/>
+            <a:ext cx="10515600" cy="1325563"/>
+          </a:xfrm>
+          <a:prstGeom prst="rect">
+            <a:avLst/>
+          </a:prstGeom>
+        </p:spPr>
+        <p:txBody>
+          <a:bodyPr vert="horz" lIns="91440" tIns="45720" rIns="91440" bIns="45720" rtlCol="0" anchor="ctr">
+            <a:normAutofit/>
+          </a:bodyPr>
+          <a:lstStyle>
+            <a:lvl1pPr algn="l" defTabSz="914400" rtl="0" eaLnBrk="1" latinLnBrk="0" hangingPunct="1">
+              <a:lnSpc>
+                <a:spcPct val="90000"/>
+              </a:lnSpc>
+              <a:spcBef>
+                <a:spcPct val="0"/>
+              </a:spcBef>
+              <a:buNone/>
+              <a:defRPr sz="4400" kern="1200">
+                <a:solidFill>
+                  <a:schemeClr val="tx1"/>
+                </a:solidFill>
+                <a:latin typeface="+mj-lt"/>
+                <a:ea typeface="+mj-ea"/>
+                <a:cs typeface="+mj-cs"/>
+              </a:defRPr>
+            </a:lvl1pPr>
+          </a:lstStyle>
+          <a:p>
+            <a:pPr algn="ctr"/>
+            <a:r>
+              <a:rPr lang="ru-RU" dirty="0"/>
+              <a:t>Конец презентации</a:t>
+            </a:r>
+          </a:p>
+        </p:txBody>
+      </p:sp>
+    </p:spTree>
+    <p:extLst>
+      <p:ext uri="{BB962C8B-B14F-4D97-AF65-F5344CB8AC3E}">
+        <p14:creationId xmlns:p14="http://schemas.microsoft.com/office/powerpoint/2010/main" val="1437817293"/>
+      </p:ext>
+    </p:extLst>
+  </p:cSld>
+  <p:clrMapOvr>
+    <a:masterClrMapping/>
+  </p:clrMapOvr>
+  <mc:AlternateContent xmlns:mc="http://schemas.openxmlformats.org/markup-compatibility/2006">
+    <mc:Choice xmlns:p14="http://schemas.microsoft.com/office/powerpoint/2010/main" Requires="p14">
+      <p:transition spd="med" p14:dur="700">
+        <p:fade/>
+      </p:transition>
+    </mc:Choice>
+    <mc:Fallback>
+      <p:transition spd="med">
+        <p:fade/>
+      </p:transition>
+    </mc:Fallback>
+  </mc:AlternateContent>
+  <p:timing>
+    <p:tnLst>
+      <p:par>
+        <p:cTn id="1" dur="indefinite" restart="never" nodeType="tmRoot">
+          <p:childTnLst>
+            <p:seq concurrent="1" nextAc="seek">
+              <p:cTn id="2" dur="indefinite" nodeType="mainSeq">
+                <p:childTnLst>
+                  <p:par>
+                    <p:cTn id="3" fill="hold">
+                      <p:stCondLst>
+                        <p:cond delay="indefinite"/>
+                      </p:stCondLst>
+                      <p:childTnLst>
+                        <p:par>
+                          <p:cTn id="4" fill="hold">
+                            <p:stCondLst>
+                              <p:cond delay="0"/>
+                            </p:stCondLst>
+                            <p:childTnLst>
+                              <p:par>
+                                <p:cTn id="5" presetID="10" presetClass="exit" presetSubtype="0" fill="hold" grpId="0" nodeType="clickEffect">
+                                  <p:stCondLst>
+                                    <p:cond delay="0"/>
+                                  </p:stCondLst>
+                                  <p:childTnLst>
+                                    <p:animEffect transition="out" filter="fade">
+                                      <p:cBhvr>
+                                        <p:cTn id="6" dur="500"/>
+                                        <p:tgtEl>
+                                          <p:spTgt spid="2"/>
+                                        </p:tgtEl>
+                                      </p:cBhvr>
+                                    </p:animEffect>
+                                    <p:set>
+                                      <p:cBhvr>
+                                        <p:cTn id="7" dur="1" fill="hold">
+                                          <p:stCondLst>
+                                            <p:cond delay="499"/>
+                                          </p:stCondLst>
+                                        </p:cTn>
+                                        <p:tgtEl>
+                                          <p:spTgt spid="2"/>
+                                        </p:tgtEl>
+                                        <p:attrNameLst>
+                                          <p:attrName>style.visibility</p:attrName>
+                                        </p:attrNameLst>
+                                      </p:cBhvr>
+                                      <p:to>
+                                        <p:strVal val="hidden"/>
+                                      </p:to>
+                                    </p:set>
+                                  </p:childTnLst>
+                                </p:cTn>
+                              </p:par>
+                              <p:par>
+                                <p:cTn id="8" presetID="10" presetClass="entr" presetSubtype="0" fill="hold" grpId="0" nodeType="withEffect">
+                                  <p:stCondLst>
+                                    <p:cond delay="0"/>
+                                  </p:stCondLst>
+                                  <p:childTnLst>
+                                    <p:set>
+                                      <p:cBhvr>
+                                        <p:cTn id="9" dur="1" fill="hold">
+                                          <p:stCondLst>
+                                            <p:cond delay="0"/>
+                                          </p:stCondLst>
+                                        </p:cTn>
+                                        <p:tgtEl>
+                                          <p:spTgt spid="4"/>
+                                        </p:tgtEl>
+                                        <p:attrNameLst>
+                                          <p:attrName>style.visibility</p:attrName>
+                                        </p:attrNameLst>
+                                      </p:cBhvr>
+                                      <p:to>
+                                        <p:strVal val="visible"/>
+                                      </p:to>
+                                    </p:set>
+                                    <p:animEffect transition="in" filter="fade">
+                                      <p:cBhvr>
+                                        <p:cTn id="10" dur="500"/>
+                                        <p:tgtEl>
+                                          <p:spTgt spid="4"/>
+                                        </p:tgtEl>
+                                      </p:cBhvr>
+                                    </p:animEffect>
+                                  </p:childTnLst>
+                                </p:cTn>
+                              </p:par>
+                            </p:childTnLst>
+                          </p:cTn>
+                        </p:par>
+                      </p:childTnLst>
+                    </p:cTn>
+                  </p:par>
+                </p:childTnLst>
+              </p:cTn>
+              <p:prevCondLst>
+                <p:cond evt="onPrev" delay="0">
+                  <p:tgtEl>
+                    <p:sldTgt/>
+                  </p:tgtEl>
+                </p:cond>
+              </p:prevCondLst>
+              <p:nextCondLst>
+                <p:cond evt="onNext" delay="0">
+                  <p:tgtEl>
+                    <p:sldTgt/>
+                  </p:tgtEl>
+                </p:cond>
+              </p:nextCondLst>
+            </p:seq>
+          </p:childTnLst>
+        </p:cTn>
+      </p:par>
+    </p:tnLst>
+    <p:bldLst>
+      <p:bldP spid="2" grpId="0"/>
+      <p:bldP spid="4" grpId="0"/>
+    </p:bldLst>
+  </p:timing>
 </p:sld>
 </file>
 
@@ -9063,6 +9478,18 @@
   <p:clrMapOvr>
     <a:masterClrMapping/>
   </p:clrMapOvr>
+  <mc:AlternateContent xmlns:mc="http://schemas.openxmlformats.org/markup-compatibility/2006">
+    <mc:Choice xmlns:p14="http://schemas.microsoft.com/office/powerpoint/2010/main" Requires="p14">
+      <p:transition spd="med" p14:dur="700">
+        <p:fade/>
+      </p:transition>
+    </mc:Choice>
+    <mc:Fallback>
+      <p:transition spd="med">
+        <p:fade/>
+      </p:transition>
+    </mc:Fallback>
+  </mc:AlternateContent>
 </p:sld>
 </file>
 
@@ -9264,6 +9691,18 @@
   <p:clrMapOvr>
     <a:masterClrMapping/>
   </p:clrMapOvr>
+  <mc:AlternateContent xmlns:mc="http://schemas.openxmlformats.org/markup-compatibility/2006">
+    <mc:Choice xmlns:p14="http://schemas.microsoft.com/office/powerpoint/2010/main" Requires="p14">
+      <p:transition spd="med" p14:dur="700">
+        <p:fade/>
+      </p:transition>
+    </mc:Choice>
+    <mc:Fallback>
+      <p:transition spd="med">
+        <p:fade/>
+      </p:transition>
+    </mc:Fallback>
+  </mc:AlternateContent>
 </p:sld>
 </file>
 
@@ -9445,7 +9884,7 @@
         </p:nvSpPr>
         <p:spPr>
           <a:xfrm>
-            <a:off x="6096000" y="2214294"/>
+            <a:off x="6096000" y="2737901"/>
             <a:ext cx="5514999" cy="2429411"/>
           </a:xfrm>
         </p:spPr>
@@ -9498,6 +9937,18 @@
   <p:clrMapOvr>
     <a:masterClrMapping/>
   </p:clrMapOvr>
+  <mc:AlternateContent xmlns:mc="http://schemas.openxmlformats.org/markup-compatibility/2006">
+    <mc:Choice xmlns:p14="http://schemas.microsoft.com/office/powerpoint/2010/main" Requires="p14">
+      <p:transition spd="med" p14:dur="700">
+        <p:fade/>
+      </p:transition>
+    </mc:Choice>
+    <mc:Fallback>
+      <p:transition spd="med">
+        <p:fade/>
+      </p:transition>
+    </mc:Fallback>
+  </mc:AlternateContent>
 </p:sld>
 </file>
 
@@ -9559,14 +10010,14 @@
           <p:nvPr>
             <p:extLst>
               <p:ext uri="{D42A27DB-BD31-4B8C-83A1-F6EECF244321}">
-                <p14:modId xmlns:p14="http://schemas.microsoft.com/office/powerpoint/2010/main" val="4142174402"/>
+                <p14:modId xmlns:p14="http://schemas.microsoft.com/office/powerpoint/2010/main" val="3295716152"/>
               </p:ext>
             </p:extLst>
           </p:nvPr>
         </p:nvGraphicFramePr>
         <p:xfrm>
-          <a:off x="513183" y="505084"/>
-          <a:ext cx="10396375" cy="5987791"/>
+          <a:off x="334346" y="2146040"/>
+          <a:ext cx="11523307" cy="2705877"/>
         </p:xfrm>
         <a:graphic>
           <a:graphicData uri="http://schemas.openxmlformats.org/drawingml/2006/diagram">
@@ -9588,8 +10039,8 @@
         </p:nvGrpSpPr>
         <p:grpSpPr>
           <a:xfrm rot="10800000">
-            <a:off x="7346056" y="3498979"/>
-            <a:ext cx="578988" cy="677307"/>
+            <a:off x="7959012" y="3429000"/>
+            <a:ext cx="591183" cy="753032"/>
             <a:chOff x="6836834" y="2655241"/>
             <a:chExt cx="578988" cy="677307"/>
           </a:xfrm>
@@ -9719,6 +10170,18 @@
   <p:clrMapOvr>
     <a:masterClrMapping/>
   </p:clrMapOvr>
+  <mc:AlternateContent xmlns:mc="http://schemas.openxmlformats.org/markup-compatibility/2006">
+    <mc:Choice xmlns:p14="http://schemas.microsoft.com/office/powerpoint/2010/main" Requires="p14">
+      <p:transition spd="med" p14:dur="700">
+        <p:fade/>
+      </p:transition>
+    </mc:Choice>
+    <mc:Fallback>
+      <p:transition spd="med">
+        <p:fade/>
+      </p:transition>
+    </mc:Fallback>
+  </mc:AlternateContent>
 </p:sld>
 </file>
 
@@ -9761,8 +10224,8 @@
           <a:lstStyle/>
           <a:p>
             <a:r>
-              <a:rPr lang="ru-RU"/>
-              <a:t>Статистика</a:t>
+              <a:rPr lang="ru-RU" dirty="0"/>
+              <a:t>Статистика проекта</a:t>
             </a:r>
           </a:p>
         </p:txBody>
@@ -9783,15 +10246,68 @@
             <p:ph idx="1"/>
           </p:nvPr>
         </p:nvSpPr>
-        <p:spPr/>
+        <p:spPr>
+          <a:xfrm>
+            <a:off x="838200" y="1825625"/>
+            <a:ext cx="5319554" cy="4173959"/>
+          </a:xfrm>
+        </p:spPr>
         <p:txBody>
           <a:bodyPr/>
           <a:lstStyle/>
           <a:p>
-            <a:endParaRPr lang="ru-RU"/>
+            <a:r>
+              <a:rPr lang="ru-RU" dirty="0"/>
+              <a:t>Примерно 400 строк – </a:t>
+            </a:r>
+            <a:r>
+              <a:rPr lang="en-US" dirty="0"/>
+              <a:t>JavaScript</a:t>
+            </a:r>
+          </a:p>
+          <a:p>
+            <a:r>
+              <a:rPr lang="ru-RU" dirty="0"/>
+              <a:t>Примерно 200 строк – </a:t>
+            </a:r>
+            <a:r>
+              <a:rPr lang="en-US" dirty="0"/>
+              <a:t>SCSS</a:t>
+            </a:r>
+            <a:endParaRPr lang="ru-RU" dirty="0"/>
           </a:p>
         </p:txBody>
       </p:sp>
+      <p:pic>
+        <p:nvPicPr>
+          <p:cNvPr id="5" name="Рисунок 4">
+            <a:extLst>
+              <a:ext uri="{FF2B5EF4-FFF2-40B4-BE49-F238E27FC236}">
+                <a16:creationId xmlns:a16="http://schemas.microsoft.com/office/drawing/2014/main" id="{67102013-9EDC-F860-95B5-8CD37EA6D1BD}"/>
+              </a:ext>
+            </a:extLst>
+          </p:cNvPr>
+          <p:cNvPicPr>
+            <a:picLocks noChangeAspect="1"/>
+          </p:cNvPicPr>
+          <p:nvPr/>
+        </p:nvPicPr>
+        <p:blipFill>
+          <a:blip r:embed="rId2"/>
+          <a:stretch>
+            <a:fillRect/>
+          </a:stretch>
+        </p:blipFill>
+        <p:spPr>
+          <a:xfrm>
+            <a:off x="6425684" y="1825625"/>
+            <a:ext cx="5319555" cy="1850280"/>
+          </a:xfrm>
+          <a:prstGeom prst="rect">
+            <a:avLst/>
+          </a:prstGeom>
+        </p:spPr>
+      </p:pic>
     </p:spTree>
     <p:extLst>
       <p:ext uri="{BB962C8B-B14F-4D97-AF65-F5344CB8AC3E}">
@@ -9802,6 +10318,18 @@
   <p:clrMapOvr>
     <a:masterClrMapping/>
   </p:clrMapOvr>
+  <mc:AlternateContent xmlns:mc="http://schemas.openxmlformats.org/markup-compatibility/2006">
+    <mc:Choice xmlns:p14="http://schemas.microsoft.com/office/powerpoint/2010/main" Requires="p14">
+      <p:transition spd="med" p14:dur="700">
+        <p:fade/>
+      </p:transition>
+    </mc:Choice>
+    <mc:Fallback>
+      <p:transition spd="med">
+        <p:fade/>
+      </p:transition>
+    </mc:Fallback>
+  </mc:AlternateContent>
 </p:sld>
 </file>
 
@@ -9935,6 +10463,18 @@
   <p:clrMapOvr>
     <a:masterClrMapping/>
   </p:clrMapOvr>
+  <mc:AlternateContent xmlns:mc="http://schemas.openxmlformats.org/markup-compatibility/2006">
+    <mc:Choice xmlns:p14="http://schemas.microsoft.com/office/powerpoint/2010/main" Requires="p14">
+      <p:transition spd="med" p14:dur="700">
+        <p:fade/>
+      </p:transition>
+    </mc:Choice>
+    <mc:Fallback>
+      <p:transition spd="med">
+        <p:fade/>
+      </p:transition>
+    </mc:Fallback>
+  </mc:AlternateContent>
 </p:sld>
 </file>
 
@@ -10009,6 +10549,32 @@
               <a:t>Широкое использование лямбда-функций</a:t>
             </a:r>
           </a:p>
+          <a:p>
+            <a:r>
+              <a:rPr lang="ru-RU" dirty="0"/>
+              <a:t>Динамическое импортирование</a:t>
+            </a:r>
+          </a:p>
+          <a:p>
+            <a:r>
+              <a:rPr lang="ru-RU" dirty="0"/>
+              <a:t>Возможность фильтрации отображаемой информации</a:t>
+            </a:r>
+          </a:p>
+          <a:p>
+            <a:r>
+              <a:rPr lang="ru-RU" dirty="0"/>
+              <a:t>Асинхронное обращение к </a:t>
+            </a:r>
+            <a:r>
+              <a:rPr lang="en-US" dirty="0"/>
+              <a:t>HTTP API</a:t>
+            </a:r>
+            <a:endParaRPr lang="ru-RU" dirty="0"/>
+          </a:p>
+          <a:p>
+            <a:endParaRPr lang="ru-RU" dirty="0"/>
+          </a:p>
         </p:txBody>
       </p:sp>
     </p:spTree>
@@ -10021,6 +10587,18 @@
   <p:clrMapOvr>
     <a:masterClrMapping/>
   </p:clrMapOvr>
+  <mc:AlternateContent xmlns:mc="http://schemas.openxmlformats.org/markup-compatibility/2006">
+    <mc:Choice xmlns:p14="http://schemas.microsoft.com/office/powerpoint/2010/main" Requires="p14">
+      <p:transition spd="med" p14:dur="700">
+        <p:fade/>
+      </p:transition>
+    </mc:Choice>
+    <mc:Fallback>
+      <p:transition spd="med">
+        <p:fade/>
+      </p:transition>
+    </mc:Fallback>
+  </mc:AlternateContent>
 </p:sld>
 </file>
 
@@ -10108,6 +10686,18 @@
   <p:clrMapOvr>
     <a:masterClrMapping/>
   </p:clrMapOvr>
+  <mc:AlternateContent xmlns:mc="http://schemas.openxmlformats.org/markup-compatibility/2006">
+    <mc:Choice xmlns:p14="http://schemas.microsoft.com/office/powerpoint/2010/main" Requires="p14">
+      <p:transition spd="med" p14:dur="700">
+        <p:fade/>
+      </p:transition>
+    </mc:Choice>
+    <mc:Fallback>
+      <p:transition spd="med">
+        <p:fade/>
+      </p:transition>
+    </mc:Fallback>
+  </mc:AlternateContent>
 </p:sld>
 </file>
 
